--- a/Plant_doctors.pptx
+++ b/Plant_doctors.pptx
@@ -111,6 +111,11 @@
       </a:defRPr>
     </a:lvl9pPr>
   </p:defaultTextStyle>
+  <p:extLst>
+    <p:ext uri="{EFAFB233-063F-42B5-8137-9DF3F51BA10A}">
+      <p15:sldGuideLst xmlns:p15="http://schemas.microsoft.com/office/powerpoint/2012/main"/>
+    </p:ext>
+  </p:extLst>
 </p:presentation>
 </file>
 
@@ -4593,7 +4598,7 @@
                 <a:ea typeface="Sans Serif Collection" panose="020B0502040504020204" pitchFamily="34" charset="0"/>
                 <a:cs typeface="Sans Serif Collection" panose="020B0502040504020204" pitchFamily="34" charset="0"/>
               </a:rPr>
-              <a:t>We found on Kaggle a dataset with #### images of ### plants and diseases</a:t>
+              <a:t>We found on Kaggle a dataset with 87K images of 38 different plants and diseases</a:t>
             </a:r>
             <a:endParaRPr lang="en-US" sz="1800" dirty="0">
               <a:solidFill>
@@ -4614,9 +4619,34 @@
                 <a:latin typeface="Sans Serif Collection" panose="020B0502040504020204" pitchFamily="34" charset="0"/>
                 <a:ea typeface="Sans Serif Collection" panose="020B0502040504020204" pitchFamily="34" charset="0"/>
                 <a:cs typeface="Sans Serif Collection" panose="020B0502040504020204" pitchFamily="34" charset="0"/>
+                <a:hlinkClick r:id="rId2"/>
               </a:rPr>
-              <a:t>Link </a:t>
-            </a:r>
+              <a:t>new-plant-diseases-dataset</a:t>
+            </a:r>
+            <a:r>
+              <a:rPr lang="en-US" sz="1800" dirty="0">
+                <a:solidFill>
+                  <a:schemeClr val="tx1"/>
+                </a:solidFill>
+                <a:latin typeface="Sans Serif Collection" panose="020B0502040504020204" pitchFamily="34" charset="0"/>
+                <a:ea typeface="Sans Serif Collection" panose="020B0502040504020204" pitchFamily="34" charset="0"/>
+                <a:cs typeface="Sans Serif Collection" panose="020B0502040504020204" pitchFamily="34" charset="0"/>
+              </a:rPr>
+              <a:t> </a:t>
+            </a:r>
+          </a:p>
+          <a:p>
+            <a:pPr marL="0" indent="0">
+              <a:buNone/>
+            </a:pPr>
+            <a:endParaRPr lang="en-US" sz="1800" dirty="0">
+              <a:solidFill>
+                <a:schemeClr val="tx1"/>
+              </a:solidFill>
+              <a:latin typeface="Sans Serif Collection" panose="020B0502040504020204" pitchFamily="34" charset="0"/>
+              <a:ea typeface="Sans Serif Collection" panose="020B0502040504020204" pitchFamily="34" charset="0"/>
+              <a:cs typeface="Sans Serif Collection" panose="020B0502040504020204" pitchFamily="34" charset="0"/>
+            </a:endParaRPr>
           </a:p>
           <a:p>
             <a:pPr marL="0"/>
@@ -4629,7 +4659,85 @@
                 <a:ea typeface="Sans Serif Collection" panose="020B0502040504020204" pitchFamily="34" charset="0"/>
                 <a:cs typeface="Sans Serif Collection" panose="020B0502040504020204" pitchFamily="34" charset="0"/>
               </a:rPr>
-              <a:t>What libraries we used, why</a:t>
+              <a:t>What libraries we used, why:</a:t>
+            </a:r>
+          </a:p>
+          <a:p>
+            <a:pPr marL="1371600" lvl="3"/>
+            <a:r>
+              <a:rPr lang="en-US" dirty="0" err="1">
+                <a:solidFill>
+                  <a:schemeClr val="tx1"/>
+                </a:solidFill>
+                <a:latin typeface="Sans Serif Collection" panose="020B0502040504020204" pitchFamily="34" charset="0"/>
+                <a:ea typeface="Sans Serif Collection" panose="020B0502040504020204" pitchFamily="34" charset="0"/>
+                <a:cs typeface="Sans Serif Collection" panose="020B0502040504020204" pitchFamily="34" charset="0"/>
+              </a:rPr>
+              <a:t>Tensorflow</a:t>
+            </a:r>
+            <a:r>
+              <a:rPr lang="en-US" dirty="0">
+                <a:solidFill>
+                  <a:schemeClr val="tx1"/>
+                </a:solidFill>
+                <a:latin typeface="Sans Serif Collection" panose="020B0502040504020204" pitchFamily="34" charset="0"/>
+                <a:ea typeface="Sans Serif Collection" panose="020B0502040504020204" pitchFamily="34" charset="0"/>
+                <a:cs typeface="Sans Serif Collection" panose="020B0502040504020204" pitchFamily="34" charset="0"/>
+              </a:rPr>
+              <a:t> –platform for machine learning</a:t>
+            </a:r>
+          </a:p>
+          <a:p>
+            <a:pPr marL="1371600" lvl="3"/>
+            <a:r>
+              <a:rPr lang="en-US" dirty="0" err="1">
+                <a:solidFill>
+                  <a:schemeClr val="tx1"/>
+                </a:solidFill>
+                <a:latin typeface="Sans Serif Collection" panose="020B0502040504020204" pitchFamily="34" charset="0"/>
+                <a:ea typeface="Sans Serif Collection" panose="020B0502040504020204" pitchFamily="34" charset="0"/>
+                <a:cs typeface="Sans Serif Collection" panose="020B0502040504020204" pitchFamily="34" charset="0"/>
+              </a:rPr>
+              <a:t>Keras_Tuner</a:t>
+            </a:r>
+            <a:r>
+              <a:rPr lang="en-US" dirty="0">
+                <a:solidFill>
+                  <a:schemeClr val="tx1"/>
+                </a:solidFill>
+                <a:latin typeface="Sans Serif Collection" panose="020B0502040504020204" pitchFamily="34" charset="0"/>
+                <a:ea typeface="Sans Serif Collection" panose="020B0502040504020204" pitchFamily="34" charset="0"/>
+                <a:cs typeface="Sans Serif Collection" panose="020B0502040504020204" pitchFamily="34" charset="0"/>
+              </a:rPr>
+              <a:t> – hyperparameter search</a:t>
+            </a:r>
+          </a:p>
+          <a:p>
+            <a:pPr marL="1371600" lvl="3"/>
+            <a:r>
+              <a:rPr lang="en-US" dirty="0">
+                <a:solidFill>
+                  <a:schemeClr val="tx1"/>
+                </a:solidFill>
+                <a:latin typeface="Sans Serif Collection" panose="020B0502040504020204" pitchFamily="34" charset="0"/>
+                <a:ea typeface="Sans Serif Collection" panose="020B0502040504020204" pitchFamily="34" charset="0"/>
+                <a:cs typeface="Sans Serif Collection" panose="020B0502040504020204" pitchFamily="34" charset="0"/>
+              </a:rPr>
+              <a:t>PIL (Pillow) – python library for image processing</a:t>
+            </a:r>
+          </a:p>
+          <a:p>
+            <a:pPr marL="1371600" lvl="3"/>
+            <a:r>
+              <a:rPr lang="en-US" dirty="0">
+                <a:solidFill>
+                  <a:schemeClr val="tx1"/>
+                </a:solidFill>
+                <a:latin typeface="Sans Serif Collection" panose="020B0502040504020204" pitchFamily="34" charset="0"/>
+                <a:ea typeface="Sans Serif Collection" panose="020B0502040504020204" pitchFamily="34" charset="0"/>
+                <a:cs typeface="Sans Serif Collection" panose="020B0502040504020204" pitchFamily="34" charset="0"/>
+              </a:rPr>
+              <a:t>Flask – display interactive webpage</a:t>
             </a:r>
           </a:p>
           <a:p>
@@ -4828,7 +4936,10 @@
           </a:bodyPr>
           <a:lstStyle/>
           <a:p>
-            <a:pPr marL="0"/>
+            <a:pPr marL="514350" indent="-514350">
+              <a:buFont typeface="+mj-lt"/>
+              <a:buAutoNum type="arabicPeriod"/>
+            </a:pPr>
             <a:r>
               <a:rPr lang="en-US" dirty="0">
                 <a:solidFill>
@@ -4838,11 +4949,164 @@
                 <a:ea typeface="Sans Serif Collection" panose="020B0502040504020204" pitchFamily="34" charset="0"/>
                 <a:cs typeface="Sans Serif Collection" panose="020B0502040504020204" pitchFamily="34" charset="0"/>
               </a:rPr>
-              <a:t>Steps in our development process.</a:t>
-            </a:r>
-          </a:p>
-        </p:txBody>
-      </p:sp>
+              <a:t>Import files into training &amp; validation directories.</a:t>
+            </a:r>
+          </a:p>
+          <a:p>
+            <a:pPr marL="514350" indent="-514350">
+              <a:buFont typeface="+mj-lt"/>
+              <a:buAutoNum type="arabicPeriod"/>
+            </a:pPr>
+            <a:r>
+              <a:rPr lang="en-US" dirty="0">
+                <a:solidFill>
+                  <a:schemeClr val="tx1"/>
+                </a:solidFill>
+                <a:latin typeface="Sans Serif Collection" panose="020B0502040504020204" pitchFamily="34" charset="0"/>
+                <a:ea typeface="Sans Serif Collection" panose="020B0502040504020204" pitchFamily="34" charset="0"/>
+                <a:cs typeface="Sans Serif Collection" panose="020B0502040504020204" pitchFamily="34" charset="0"/>
+              </a:rPr>
+              <a:t>Define model building function (</a:t>
+            </a:r>
+            <a:r>
+              <a:rPr lang="en-US" dirty="0" err="1">
+                <a:solidFill>
+                  <a:schemeClr val="tx1"/>
+                </a:solidFill>
+                <a:latin typeface="Sans Serif Collection" panose="020B0502040504020204" pitchFamily="34" charset="0"/>
+                <a:ea typeface="Sans Serif Collection" panose="020B0502040504020204" pitchFamily="34" charset="0"/>
+                <a:cs typeface="Sans Serif Collection" panose="020B0502040504020204" pitchFamily="34" charset="0"/>
+              </a:rPr>
+              <a:t>create_model</a:t>
+            </a:r>
+            <a:r>
+              <a:rPr lang="en-US" dirty="0">
+                <a:solidFill>
+                  <a:schemeClr val="tx1"/>
+                </a:solidFill>
+                <a:latin typeface="Sans Serif Collection" panose="020B0502040504020204" pitchFamily="34" charset="0"/>
+                <a:ea typeface="Sans Serif Collection" panose="020B0502040504020204" pitchFamily="34" charset="0"/>
+                <a:cs typeface="Sans Serif Collection" panose="020B0502040504020204" pitchFamily="34" charset="0"/>
+              </a:rPr>
+              <a:t>).</a:t>
+            </a:r>
+          </a:p>
+          <a:p>
+            <a:pPr marL="514350" indent="-514350">
+              <a:buFont typeface="+mj-lt"/>
+              <a:buAutoNum type="arabicPeriod"/>
+            </a:pPr>
+            <a:r>
+              <a:rPr lang="en-US" dirty="0">
+                <a:solidFill>
+                  <a:schemeClr val="tx1"/>
+                </a:solidFill>
+                <a:latin typeface="Sans Serif Collection" panose="020B0502040504020204" pitchFamily="34" charset="0"/>
+                <a:ea typeface="Sans Serif Collection" panose="020B0502040504020204" pitchFamily="34" charset="0"/>
+                <a:cs typeface="Sans Serif Collection" panose="020B0502040504020204" pitchFamily="34" charset="0"/>
+              </a:rPr>
+              <a:t>Instantiate the tuner.</a:t>
+            </a:r>
+          </a:p>
+          <a:p>
+            <a:pPr marL="514350" indent="-514350">
+              <a:buFont typeface="+mj-lt"/>
+              <a:buAutoNum type="arabicPeriod"/>
+            </a:pPr>
+            <a:r>
+              <a:rPr lang="en-US" dirty="0">
+                <a:solidFill>
+                  <a:schemeClr val="tx1"/>
+                </a:solidFill>
+                <a:latin typeface="Sans Serif Collection" panose="020B0502040504020204" pitchFamily="34" charset="0"/>
+                <a:ea typeface="Sans Serif Collection" panose="020B0502040504020204" pitchFamily="34" charset="0"/>
+                <a:cs typeface="Sans Serif Collection" panose="020B0502040504020204" pitchFamily="34" charset="0"/>
+              </a:rPr>
+              <a:t>Run the hyperparameter tuner search.</a:t>
+            </a:r>
+          </a:p>
+          <a:p>
+            <a:pPr marL="514350" indent="-514350">
+              <a:buFont typeface="+mj-lt"/>
+              <a:buAutoNum type="arabicPeriod"/>
+            </a:pPr>
+            <a:r>
+              <a:rPr lang="en-US" dirty="0">
+                <a:solidFill>
+                  <a:schemeClr val="tx1"/>
+                </a:solidFill>
+                <a:latin typeface="Sans Serif Collection" panose="020B0502040504020204" pitchFamily="34" charset="0"/>
+                <a:ea typeface="Sans Serif Collection" panose="020B0502040504020204" pitchFamily="34" charset="0"/>
+                <a:cs typeface="Sans Serif Collection" panose="020B0502040504020204" pitchFamily="34" charset="0"/>
+              </a:rPr>
+              <a:t>Using best model build (</a:t>
+            </a:r>
+            <a:r>
+              <a:rPr lang="en-US" dirty="0" err="1">
+                <a:solidFill>
+                  <a:schemeClr val="tx1"/>
+                </a:solidFill>
+                <a:latin typeface="Sans Serif Collection" panose="020B0502040504020204" pitchFamily="34" charset="0"/>
+                <a:ea typeface="Sans Serif Collection" panose="020B0502040504020204" pitchFamily="34" charset="0"/>
+                <a:cs typeface="Sans Serif Collection" panose="020B0502040504020204" pitchFamily="34" charset="0"/>
+              </a:rPr>
+              <a:t>tuner.get_best_models</a:t>
+            </a:r>
+            <a:r>
+              <a:rPr lang="en-US" dirty="0">
+                <a:solidFill>
+                  <a:schemeClr val="tx1"/>
+                </a:solidFill>
+                <a:latin typeface="Sans Serif Collection" panose="020B0502040504020204" pitchFamily="34" charset="0"/>
+                <a:ea typeface="Sans Serif Collection" panose="020B0502040504020204" pitchFamily="34" charset="0"/>
+                <a:cs typeface="Sans Serif Collection" panose="020B0502040504020204" pitchFamily="34" charset="0"/>
+              </a:rPr>
+              <a:t>), begin training model with training data &amp; validation data.</a:t>
+            </a:r>
+          </a:p>
+        </p:txBody>
+      </p:sp>
+      <p:pic>
+        <p:nvPicPr>
+          <p:cNvPr id="12" name="Picture 11" descr="A screen shot of a computer&#10;&#10;Description automatically generated">
+            <a:extLst>
+              <a:ext uri="{FF2B5EF4-FFF2-40B4-BE49-F238E27FC236}">
+                <a16:creationId xmlns:a16="http://schemas.microsoft.com/office/drawing/2014/main" id="{0D145C64-B228-0904-4734-848F56AE7B34}"/>
+              </a:ext>
+            </a:extLst>
+          </p:cNvPr>
+          <p:cNvPicPr>
+            <a:picLocks noChangeAspect="1"/>
+          </p:cNvPicPr>
+          <p:nvPr/>
+        </p:nvPicPr>
+        <p:blipFill>
+          <a:blip r:embed="rId2">
+            <a:extLst>
+              <a:ext uri="{28A0092B-C50C-407E-A947-70E740481C1C}">
+                <a14:useLocalDpi xmlns:a14="http://schemas.microsoft.com/office/drawing/2010/main" val="0"/>
+              </a:ext>
+            </a:extLst>
+          </a:blip>
+          <a:stretch>
+            <a:fillRect/>
+          </a:stretch>
+        </p:blipFill>
+        <p:spPr>
+          <a:xfrm>
+            <a:off x="7797651" y="210876"/>
+            <a:ext cx="4186825" cy="2550049"/>
+          </a:xfrm>
+          <a:prstGeom prst="rect">
+            <a:avLst/>
+          </a:prstGeom>
+          <a:ln w="19050">
+            <a:solidFill>
+              <a:schemeClr val="tx1"/>
+            </a:solidFill>
+          </a:ln>
+        </p:spPr>
+      </p:pic>
     </p:spTree>
     <p:extLst>
       <p:ext uri="{BB962C8B-B14F-4D97-AF65-F5344CB8AC3E}">
@@ -5026,7 +5290,10 @@
           </a:bodyPr>
           <a:lstStyle/>
           <a:p>
-            <a:pPr marL="0"/>
+            <a:pPr marL="514350" indent="-514350">
+              <a:buFont typeface="+mj-lt"/>
+              <a:buAutoNum type="arabicPeriod"/>
+            </a:pPr>
             <a:r>
               <a:rPr lang="en-US" dirty="0">
                 <a:solidFill>
@@ -5036,11 +5303,103 @@
                 <a:ea typeface="Sans Serif Collection" panose="020B0502040504020204" pitchFamily="34" charset="0"/>
                 <a:cs typeface="Sans Serif Collection" panose="020B0502040504020204" pitchFamily="34" charset="0"/>
               </a:rPr>
-              <a:t>Steps in our development process.</a:t>
-            </a:r>
-          </a:p>
-        </p:txBody>
-      </p:sp>
+              <a:t>Normalize pixel values (normalization layer)</a:t>
+            </a:r>
+          </a:p>
+          <a:p>
+            <a:pPr marL="514350" indent="-514350">
+              <a:buFont typeface="+mj-lt"/>
+              <a:buAutoNum type="arabicPeriod"/>
+            </a:pPr>
+            <a:r>
+              <a:rPr lang="en-US" dirty="0">
+                <a:solidFill>
+                  <a:schemeClr val="tx1"/>
+                </a:solidFill>
+                <a:latin typeface="Sans Serif Collection" panose="020B0502040504020204" pitchFamily="34" charset="0"/>
+                <a:ea typeface="Sans Serif Collection" panose="020B0502040504020204" pitchFamily="34" charset="0"/>
+                <a:cs typeface="Sans Serif Collection" panose="020B0502040504020204" pitchFamily="34" charset="0"/>
+              </a:rPr>
+              <a:t>Build and Train Model </a:t>
+            </a:r>
+          </a:p>
+          <a:p>
+            <a:pPr marL="514350" indent="-514350">
+              <a:buFont typeface="+mj-lt"/>
+              <a:buAutoNum type="arabicPeriod"/>
+            </a:pPr>
+            <a:r>
+              <a:rPr lang="en-US" dirty="0">
+                <a:solidFill>
+                  <a:schemeClr val="tx1"/>
+                </a:solidFill>
+                <a:latin typeface="Sans Serif Collection" panose="020B0502040504020204" pitchFamily="34" charset="0"/>
+                <a:ea typeface="Sans Serif Collection" panose="020B0502040504020204" pitchFamily="34" charset="0"/>
+                <a:cs typeface="Sans Serif Collection" panose="020B0502040504020204" pitchFamily="34" charset="0"/>
+              </a:rPr>
+              <a:t>View Accuracy vs Loss (accuracy: 0.9710)</a:t>
+            </a:r>
+          </a:p>
+          <a:p>
+            <a:pPr marL="514350" indent="-514350">
+              <a:buFont typeface="+mj-lt"/>
+              <a:buAutoNum type="arabicPeriod"/>
+            </a:pPr>
+            <a:r>
+              <a:rPr lang="en-US" dirty="0">
+                <a:solidFill>
+                  <a:schemeClr val="tx1"/>
+                </a:solidFill>
+                <a:latin typeface="Sans Serif Collection" panose="020B0502040504020204" pitchFamily="34" charset="0"/>
+                <a:ea typeface="Sans Serif Collection" panose="020B0502040504020204" pitchFamily="34" charset="0"/>
+                <a:cs typeface="Sans Serif Collection" panose="020B0502040504020204" pitchFamily="34" charset="0"/>
+              </a:rPr>
+              <a:t>Use Model to make Plant Disease Predictions!</a:t>
+            </a:r>
+          </a:p>
+        </p:txBody>
+      </p:sp>
+      <p:pic>
+        <p:nvPicPr>
+          <p:cNvPr id="14" name="Picture 13" descr="A graph of two people&#10;&#10;Description automatically generated with medium confidence">
+            <a:extLst>
+              <a:ext uri="{FF2B5EF4-FFF2-40B4-BE49-F238E27FC236}">
+                <a16:creationId xmlns:a16="http://schemas.microsoft.com/office/drawing/2014/main" id="{2A10C52C-E7F2-3E22-3799-6A6A9A402C43}"/>
+              </a:ext>
+            </a:extLst>
+          </p:cNvPr>
+          <p:cNvPicPr>
+            <a:picLocks noChangeAspect="1"/>
+          </p:cNvPicPr>
+          <p:nvPr/>
+        </p:nvPicPr>
+        <p:blipFill>
+          <a:blip r:embed="rId2">
+            <a:extLst>
+              <a:ext uri="{28A0092B-C50C-407E-A947-70E740481C1C}">
+                <a14:useLocalDpi xmlns:a14="http://schemas.microsoft.com/office/drawing/2010/main" val="0"/>
+              </a:ext>
+            </a:extLst>
+          </a:blip>
+          <a:stretch>
+            <a:fillRect/>
+          </a:stretch>
+        </p:blipFill>
+        <p:spPr>
+          <a:xfrm>
+            <a:off x="5560070" y="470862"/>
+            <a:ext cx="6391980" cy="2130660"/>
+          </a:xfrm>
+          <a:prstGeom prst="rect">
+            <a:avLst/>
+          </a:prstGeom>
+          <a:ln w="19050">
+            <a:solidFill>
+              <a:schemeClr val="tx1"/>
+            </a:solidFill>
+          </a:ln>
+        </p:spPr>
+      </p:pic>
     </p:spTree>
     <p:extLst>
       <p:ext uri="{BB962C8B-B14F-4D97-AF65-F5344CB8AC3E}">
@@ -5237,6 +5596,22 @@
               <a:t>Introduce web page and demo</a:t>
             </a:r>
           </a:p>
+          <a:p>
+            <a:pPr marL="0" indent="0">
+              <a:buNone/>
+            </a:pPr>
+            <a:r>
+              <a:rPr lang="en-US" dirty="0">
+                <a:solidFill>
+                  <a:schemeClr val="tx1"/>
+                </a:solidFill>
+                <a:latin typeface="Sans Serif Collection" panose="020B0502040504020204" pitchFamily="34" charset="0"/>
+                <a:ea typeface="Sans Serif Collection" panose="020B0502040504020204" pitchFamily="34" charset="0"/>
+                <a:cs typeface="Sans Serif Collection" panose="020B0502040504020204" pitchFamily="34" charset="0"/>
+              </a:rPr>
+              <a:t>link</a:t>
+            </a:r>
+          </a:p>
         </p:txBody>
       </p:sp>
       <p:pic>
@@ -5261,15 +5636,15 @@
         </p:blipFill>
         <p:spPr>
           <a:xfrm>
-            <a:off x="5638799" y="697788"/>
+            <a:off x="5658254" y="323072"/>
             <a:ext cx="6239257" cy="2735231"/>
           </a:xfrm>
           <a:prstGeom prst="rect">
             <a:avLst/>
           </a:prstGeom>
-          <a:ln w="28575">
+          <a:ln w="19050">
             <a:solidFill>
-              <a:schemeClr val="accent1"/>
+              <a:schemeClr val="tx1"/>
             </a:solidFill>
           </a:ln>
         </p:spPr>

--- a/Plant_doctors.pptx
+++ b/Plant_doctors.pptx
@@ -13,6 +13,7 @@
     <p:sldId id="261" r:id="rId7"/>
     <p:sldId id="262" r:id="rId8"/>
     <p:sldId id="263" r:id="rId9"/>
+    <p:sldId id="264" r:id="rId10"/>
   </p:sldIdLst>
   <p:sldSz cx="12192000" cy="6858000"/>
   <p:notesSz cx="6858000" cy="9144000"/>
@@ -3775,7 +3776,28 @@
                 <a:ea typeface="Sans Serif Collection" panose="020B0502040504020204" pitchFamily="34" charset="0"/>
                 <a:cs typeface="Sans Serif Collection" panose="020B0502040504020204" pitchFamily="34" charset="0"/>
               </a:rPr>
-              <a:t>Introduction – The Problem and Solution</a:t>
+              <a:t>Problem </a:t>
+            </a:r>
+          </a:p>
+          <a:p>
+            <a:r>
+              <a:rPr lang="en-US" dirty="0">
+                <a:ln w="0"/>
+                <a:solidFill>
+                  <a:schemeClr val="bg1"/>
+                </a:solidFill>
+                <a:effectLst>
+                  <a:outerShdw blurRad="38100" dist="25400" dir="5400000" algn="ctr" rotWithShape="0">
+                    <a:srgbClr val="6E747A">
+                      <a:alpha val="43000"/>
+                    </a:srgbClr>
+                  </a:outerShdw>
+                </a:effectLst>
+                <a:latin typeface="Sans Serif Collection" panose="020B0502040504020204" pitchFamily="34" charset="0"/>
+                <a:ea typeface="Sans Serif Collection" panose="020B0502040504020204" pitchFamily="34" charset="0"/>
+                <a:cs typeface="Sans Serif Collection" panose="020B0502040504020204" pitchFamily="34" charset="0"/>
+              </a:rPr>
+              <a:t>Solution Proposal</a:t>
             </a:r>
           </a:p>
           <a:p>
@@ -3839,27 +3861,6 @@
                 <a:cs typeface="Sans Serif Collection" panose="020B0502040504020204" pitchFamily="34" charset="0"/>
               </a:rPr>
               <a:t>Results </a:t>
-            </a:r>
-          </a:p>
-          <a:p>
-            <a:r>
-              <a:rPr lang="en-US" dirty="0">
-                <a:ln w="0"/>
-                <a:solidFill>
-                  <a:schemeClr val="bg1"/>
-                </a:solidFill>
-                <a:effectLst>
-                  <a:outerShdw blurRad="38100" dist="25400" dir="5400000" algn="ctr" rotWithShape="0">
-                    <a:srgbClr val="6E747A">
-                      <a:alpha val="43000"/>
-                    </a:srgbClr>
-                  </a:outerShdw>
-                </a:effectLst>
-                <a:latin typeface="Sans Serif Collection" panose="020B0502040504020204" pitchFamily="34" charset="0"/>
-                <a:ea typeface="Sans Serif Collection" panose="020B0502040504020204" pitchFamily="34" charset="0"/>
-                <a:cs typeface="Sans Serif Collection" panose="020B0502040504020204" pitchFamily="34" charset="0"/>
-              </a:rPr>
-              <a:t>Outcome</a:t>
             </a:r>
           </a:p>
           <a:p>
@@ -4901,7 +4902,7 @@
         <p:spPr>
           <a:xfrm>
             <a:off x="838200" y="1536192"/>
-            <a:ext cx="8845296" cy="4640771"/>
+            <a:ext cx="8561832" cy="4640771"/>
           </a:xfrm>
           <a:solidFill>
             <a:schemeClr val="bg1"/>
@@ -5094,7 +5095,7 @@
         </p:blipFill>
         <p:spPr>
           <a:xfrm>
-            <a:off x="7797651" y="210876"/>
+            <a:off x="7733643" y="261167"/>
             <a:ext cx="4186825" cy="2550049"/>
           </a:xfrm>
           <a:prstGeom prst="rect">
@@ -5653,6 +5654,293 @@
     <p:extLst>
       <p:ext uri="{BB962C8B-B14F-4D97-AF65-F5344CB8AC3E}">
         <p14:creationId xmlns:p14="http://schemas.microsoft.com/office/powerpoint/2010/main" val="1500176756"/>
+      </p:ext>
+    </p:extLst>
+  </p:cSld>
+  <p:clrMapOvr>
+    <a:masterClrMapping/>
+  </p:clrMapOvr>
+</p:sld>
+</file>
+
+<file path=ppt/slides/slide9.xml><?xml version="1.0" encoding="utf-8"?>
+<p:sld xmlns:a="http://schemas.openxmlformats.org/drawingml/2006/main" xmlns:r="http://schemas.openxmlformats.org/officeDocument/2006/relationships" xmlns:p="http://schemas.openxmlformats.org/presentationml/2006/main">
+  <p:cSld>
+    <p:bg>
+      <p:bgPr>
+        <a:solidFill>
+          <a:srgbClr val="EEEEEE"/>
+        </a:solidFill>
+        <a:effectLst/>
+      </p:bgPr>
+    </p:bg>
+    <p:spTree>
+      <p:nvGrpSpPr>
+        <p:cNvPr id="1" name=""/>
+        <p:cNvGrpSpPr/>
+        <p:nvPr/>
+      </p:nvGrpSpPr>
+      <p:grpSpPr>
+        <a:xfrm>
+          <a:off x="0" y="0"/>
+          <a:ext cx="0" cy="0"/>
+          <a:chOff x="0" y="0"/>
+          <a:chExt cx="0" cy="0"/>
+        </a:xfrm>
+      </p:grpSpPr>
+      <p:sp>
+        <p:nvSpPr>
+          <p:cNvPr id="5" name="Rectangle: Rounded Corners 4">
+            <a:extLst>
+              <a:ext uri="{FF2B5EF4-FFF2-40B4-BE49-F238E27FC236}">
+                <a16:creationId xmlns:a16="http://schemas.microsoft.com/office/drawing/2014/main" id="{A313F09B-86BF-B508-7730-20340C88121B}"/>
+              </a:ext>
+            </a:extLst>
+          </p:cNvPr>
+          <p:cNvSpPr/>
+          <p:nvPr/>
+        </p:nvSpPr>
+        <p:spPr>
+          <a:xfrm>
+            <a:off x="612648" y="274320"/>
+            <a:ext cx="7662672" cy="1161288"/>
+          </a:xfrm>
+          <a:prstGeom prst="roundRect">
+            <a:avLst/>
+          </a:prstGeom>
+          <a:solidFill>
+            <a:schemeClr val="bg1"/>
+          </a:solidFill>
+          <a:effectLst>
+            <a:outerShdw blurRad="50800" dist="38100" dir="2700000" algn="tl" rotWithShape="0">
+              <a:prstClr val="black">
+                <a:alpha val="40000"/>
+              </a:prstClr>
+            </a:outerShdw>
+          </a:effectLst>
+        </p:spPr>
+        <p:style>
+          <a:lnRef idx="2">
+            <a:schemeClr val="accent1">
+              <a:shade val="15000"/>
+            </a:schemeClr>
+          </a:lnRef>
+          <a:fillRef idx="1">
+            <a:schemeClr val="accent1"/>
+          </a:fillRef>
+          <a:effectRef idx="0">
+            <a:schemeClr val="accent1"/>
+          </a:effectRef>
+          <a:fontRef idx="minor">
+            <a:schemeClr val="lt1"/>
+          </a:fontRef>
+        </p:style>
+        <p:txBody>
+          <a:bodyPr rtlCol="0" anchor="ctr"/>
+          <a:lstStyle/>
+          <a:p>
+            <a:pPr algn="ctr"/>
+            <a:endParaRPr lang="en-US"/>
+          </a:p>
+        </p:txBody>
+      </p:sp>
+      <p:sp>
+        <p:nvSpPr>
+          <p:cNvPr id="2" name="Title 1">
+            <a:extLst>
+              <a:ext uri="{FF2B5EF4-FFF2-40B4-BE49-F238E27FC236}">
+                <a16:creationId xmlns:a16="http://schemas.microsoft.com/office/drawing/2014/main" id="{284EA1EB-3B4D-7DAA-F5AC-DEE544CF4F06}"/>
+              </a:ext>
+            </a:extLst>
+          </p:cNvPr>
+          <p:cNvSpPr>
+            <a:spLocks noGrp="1"/>
+          </p:cNvSpPr>
+          <p:nvPr>
+            <p:ph type="title"/>
+          </p:nvPr>
+        </p:nvSpPr>
+        <p:spPr/>
+        <p:txBody>
+          <a:bodyPr/>
+          <a:lstStyle/>
+          <a:p>
+            <a:r>
+              <a:rPr lang="en-US" dirty="0">
+                <a:solidFill>
+                  <a:srgbClr val="04AA6D"/>
+                </a:solidFill>
+                <a:latin typeface="Sans Serif Collection" panose="020B0502040504020204" pitchFamily="34" charset="0"/>
+                <a:ea typeface="Sans Serif Collection" panose="020B0502040504020204" pitchFamily="34" charset="0"/>
+                <a:cs typeface="Sans Serif Collection" panose="020B0502040504020204" pitchFamily="34" charset="0"/>
+              </a:rPr>
+              <a:t>What’s Next (Theoretically) </a:t>
+            </a:r>
+          </a:p>
+        </p:txBody>
+      </p:sp>
+      <p:sp>
+        <p:nvSpPr>
+          <p:cNvPr id="3" name="Content Placeholder 2">
+            <a:extLst>
+              <a:ext uri="{FF2B5EF4-FFF2-40B4-BE49-F238E27FC236}">
+                <a16:creationId xmlns:a16="http://schemas.microsoft.com/office/drawing/2014/main" id="{D9899BCA-5A9A-F089-D4E0-C567504C8A80}"/>
+              </a:ext>
+            </a:extLst>
+          </p:cNvPr>
+          <p:cNvSpPr>
+            <a:spLocks noGrp="1"/>
+          </p:cNvSpPr>
+          <p:nvPr>
+            <p:ph sz="half" idx="1"/>
+          </p:nvPr>
+        </p:nvSpPr>
+        <p:spPr>
+          <a:xfrm>
+            <a:off x="838200" y="1536192"/>
+            <a:ext cx="8845296" cy="4640771"/>
+          </a:xfrm>
+          <a:solidFill>
+            <a:schemeClr val="bg1"/>
+          </a:solidFill>
+          <a:effectLst>
+            <a:outerShdw blurRad="50800" dist="38100" dir="2700000" algn="tl" rotWithShape="0">
+              <a:prstClr val="black">
+                <a:alpha val="40000"/>
+              </a:prstClr>
+            </a:outerShdw>
+          </a:effectLst>
+        </p:spPr>
+        <p:style>
+          <a:lnRef idx="2">
+            <a:schemeClr val="accent1">
+              <a:shade val="15000"/>
+            </a:schemeClr>
+          </a:lnRef>
+          <a:fillRef idx="1">
+            <a:schemeClr val="accent1"/>
+          </a:fillRef>
+          <a:effectRef idx="0">
+            <a:schemeClr val="accent1"/>
+          </a:effectRef>
+          <a:fontRef idx="minor">
+            <a:schemeClr val="lt1"/>
+          </a:fontRef>
+        </p:style>
+        <p:txBody>
+          <a:bodyPr rtlCol="0" anchor="ctr">
+            <a:normAutofit/>
+          </a:bodyPr>
+          <a:lstStyle/>
+          <a:p>
+            <a:pPr marL="0" indent="0">
+              <a:buNone/>
+            </a:pPr>
+            <a:r>
+              <a:rPr lang="en-US" dirty="0">
+                <a:solidFill>
+                  <a:schemeClr val="tx1"/>
+                </a:solidFill>
+                <a:latin typeface="Sans Serif Collection" panose="020B0502040504020204" pitchFamily="34" charset="0"/>
+                <a:ea typeface="Sans Serif Collection" panose="020B0502040504020204" pitchFamily="34" charset="0"/>
+                <a:cs typeface="Sans Serif Collection" panose="020B0502040504020204" pitchFamily="34" charset="0"/>
+              </a:rPr>
+              <a:t>Next phases for The Plant Doctors</a:t>
+            </a:r>
+          </a:p>
+          <a:p>
+            <a:pPr lvl="1" indent="-457200">
+              <a:buFont typeface="+mj-lt"/>
+              <a:buAutoNum type="arabicPeriod"/>
+            </a:pPr>
+            <a:r>
+              <a:rPr lang="en-US" dirty="0">
+                <a:solidFill>
+                  <a:schemeClr val="tx1"/>
+                </a:solidFill>
+                <a:latin typeface="Sans Serif Collection" panose="020B0502040504020204" pitchFamily="34" charset="0"/>
+                <a:ea typeface="Sans Serif Collection" panose="020B0502040504020204" pitchFamily="34" charset="0"/>
+                <a:cs typeface="Sans Serif Collection" panose="020B0502040504020204" pitchFamily="34" charset="0"/>
+              </a:rPr>
+              <a:t>Add function for approved users to submit images with known illnesses to increase training dataset.</a:t>
+            </a:r>
+          </a:p>
+          <a:p>
+            <a:pPr lvl="1" indent="-457200">
+              <a:buFont typeface="+mj-lt"/>
+              <a:buAutoNum type="arabicPeriod"/>
+            </a:pPr>
+            <a:r>
+              <a:rPr lang="en-US" dirty="0">
+                <a:solidFill>
+                  <a:schemeClr val="tx1"/>
+                </a:solidFill>
+                <a:latin typeface="Sans Serif Collection" panose="020B0502040504020204" pitchFamily="34" charset="0"/>
+                <a:ea typeface="Sans Serif Collection" panose="020B0502040504020204" pitchFamily="34" charset="0"/>
+                <a:cs typeface="Sans Serif Collection" panose="020B0502040504020204" pitchFamily="34" charset="0"/>
+              </a:rPr>
+              <a:t>Expand dataset to include more plants species and illnesses. </a:t>
+            </a:r>
+          </a:p>
+          <a:p>
+            <a:pPr lvl="1" indent="-457200">
+              <a:buFont typeface="+mj-lt"/>
+              <a:buAutoNum type="arabicPeriod"/>
+            </a:pPr>
+            <a:r>
+              <a:rPr lang="en-US" dirty="0">
+                <a:solidFill>
+                  <a:schemeClr val="tx1"/>
+                </a:solidFill>
+                <a:latin typeface="Sans Serif Collection" panose="020B0502040504020204" pitchFamily="34" charset="0"/>
+                <a:ea typeface="Sans Serif Collection" panose="020B0502040504020204" pitchFamily="34" charset="0"/>
+                <a:cs typeface="Sans Serif Collection" panose="020B0502040504020204" pitchFamily="34" charset="0"/>
+              </a:rPr>
+              <a:t>Add symptoms </a:t>
+            </a:r>
+            <a:r>
+              <a:rPr lang="en-US">
+                <a:solidFill>
+                  <a:schemeClr val="tx1"/>
+                </a:solidFill>
+                <a:latin typeface="Sans Serif Collection" panose="020B0502040504020204" pitchFamily="34" charset="0"/>
+                <a:ea typeface="Sans Serif Collection" panose="020B0502040504020204" pitchFamily="34" charset="0"/>
+                <a:cs typeface="Sans Serif Collection" panose="020B0502040504020204" pitchFamily="34" charset="0"/>
+              </a:rPr>
+              <a:t>library for </a:t>
+            </a:r>
+            <a:r>
+              <a:rPr lang="en-US" dirty="0">
+                <a:solidFill>
+                  <a:schemeClr val="tx1"/>
+                </a:solidFill>
+                <a:latin typeface="Sans Serif Collection" panose="020B0502040504020204" pitchFamily="34" charset="0"/>
+                <a:ea typeface="Sans Serif Collection" panose="020B0502040504020204" pitchFamily="34" charset="0"/>
+                <a:cs typeface="Sans Serif Collection" panose="020B0502040504020204" pitchFamily="34" charset="0"/>
+              </a:rPr>
+              <a:t>users to include additional data for more accurate prediction.</a:t>
+            </a:r>
+          </a:p>
+          <a:p>
+            <a:pPr lvl="1" indent="-457200">
+              <a:buFont typeface="+mj-lt"/>
+              <a:buAutoNum type="arabicPeriod"/>
+            </a:pPr>
+            <a:endParaRPr lang="en-US" dirty="0">
+              <a:solidFill>
+                <a:schemeClr val="tx1"/>
+              </a:solidFill>
+              <a:latin typeface="Sans Serif Collection" panose="020B0502040504020204" pitchFamily="34" charset="0"/>
+              <a:ea typeface="Sans Serif Collection" panose="020B0502040504020204" pitchFamily="34" charset="0"/>
+              <a:cs typeface="Sans Serif Collection" panose="020B0502040504020204" pitchFamily="34" charset="0"/>
+            </a:endParaRPr>
+          </a:p>
+        </p:txBody>
+      </p:sp>
+    </p:spTree>
+    <p:extLst>
+      <p:ext uri="{BB962C8B-B14F-4D97-AF65-F5344CB8AC3E}">
+        <p14:creationId xmlns:p14="http://schemas.microsoft.com/office/powerpoint/2010/main" val="2862132850"/>
       </p:ext>
     </p:extLst>
   </p:cSld>

--- a/Plant_doctors.pptx
+++ b/Plant_doctors.pptx
@@ -267,7 +267,7 @@
           <a:p>
             <a:fld id="{ABC6BEBB-36F0-4DB0-B515-F2F0409D1AFA}" type="datetimeFigureOut">
               <a:rPr lang="en-US" smtClean="0"/>
-              <a:t>5/30/2024</a:t>
+              <a:t>6/2/2024</a:t>
             </a:fld>
             <a:endParaRPr lang="en-US"/>
           </a:p>
@@ -465,7 +465,7 @@
           <a:p>
             <a:fld id="{ABC6BEBB-36F0-4DB0-B515-F2F0409D1AFA}" type="datetimeFigureOut">
               <a:rPr lang="en-US" smtClean="0"/>
-              <a:t>5/30/2024</a:t>
+              <a:t>6/2/2024</a:t>
             </a:fld>
             <a:endParaRPr lang="en-US"/>
           </a:p>
@@ -673,7 +673,7 @@
           <a:p>
             <a:fld id="{ABC6BEBB-36F0-4DB0-B515-F2F0409D1AFA}" type="datetimeFigureOut">
               <a:rPr lang="en-US" smtClean="0"/>
-              <a:t>5/30/2024</a:t>
+              <a:t>6/2/2024</a:t>
             </a:fld>
             <a:endParaRPr lang="en-US"/>
           </a:p>
@@ -871,7 +871,7 @@
           <a:p>
             <a:fld id="{ABC6BEBB-36F0-4DB0-B515-F2F0409D1AFA}" type="datetimeFigureOut">
               <a:rPr lang="en-US" smtClean="0"/>
-              <a:t>5/30/2024</a:t>
+              <a:t>6/2/2024</a:t>
             </a:fld>
             <a:endParaRPr lang="en-US"/>
           </a:p>
@@ -1146,7 +1146,7 @@
           <a:p>
             <a:fld id="{ABC6BEBB-36F0-4DB0-B515-F2F0409D1AFA}" type="datetimeFigureOut">
               <a:rPr lang="en-US" smtClean="0"/>
-              <a:t>5/30/2024</a:t>
+              <a:t>6/2/2024</a:t>
             </a:fld>
             <a:endParaRPr lang="en-US"/>
           </a:p>
@@ -1411,7 +1411,7 @@
           <a:p>
             <a:fld id="{ABC6BEBB-36F0-4DB0-B515-F2F0409D1AFA}" type="datetimeFigureOut">
               <a:rPr lang="en-US" smtClean="0"/>
-              <a:t>5/30/2024</a:t>
+              <a:t>6/2/2024</a:t>
             </a:fld>
             <a:endParaRPr lang="en-US"/>
           </a:p>
@@ -1823,7 +1823,7 @@
           <a:p>
             <a:fld id="{ABC6BEBB-36F0-4DB0-B515-F2F0409D1AFA}" type="datetimeFigureOut">
               <a:rPr lang="en-US" smtClean="0"/>
-              <a:t>5/30/2024</a:t>
+              <a:t>6/2/2024</a:t>
             </a:fld>
             <a:endParaRPr lang="en-US"/>
           </a:p>
@@ -1964,7 +1964,7 @@
           <a:p>
             <a:fld id="{ABC6BEBB-36F0-4DB0-B515-F2F0409D1AFA}" type="datetimeFigureOut">
               <a:rPr lang="en-US" smtClean="0"/>
-              <a:t>5/30/2024</a:t>
+              <a:t>6/2/2024</a:t>
             </a:fld>
             <a:endParaRPr lang="en-US"/>
           </a:p>
@@ -2077,7 +2077,7 @@
           <a:p>
             <a:fld id="{ABC6BEBB-36F0-4DB0-B515-F2F0409D1AFA}" type="datetimeFigureOut">
               <a:rPr lang="en-US" smtClean="0"/>
-              <a:t>5/30/2024</a:t>
+              <a:t>6/2/2024</a:t>
             </a:fld>
             <a:endParaRPr lang="en-US"/>
           </a:p>
@@ -2388,7 +2388,7 @@
           <a:p>
             <a:fld id="{ABC6BEBB-36F0-4DB0-B515-F2F0409D1AFA}" type="datetimeFigureOut">
               <a:rPr lang="en-US" smtClean="0"/>
-              <a:t>5/30/2024</a:t>
+              <a:t>6/2/2024</a:t>
             </a:fld>
             <a:endParaRPr lang="en-US"/>
           </a:p>
@@ -2676,7 +2676,7 @@
           <a:p>
             <a:fld id="{ABC6BEBB-36F0-4DB0-B515-F2F0409D1AFA}" type="datetimeFigureOut">
               <a:rPr lang="en-US" smtClean="0"/>
-              <a:t>5/30/2024</a:t>
+              <a:t>6/2/2024</a:t>
             </a:fld>
             <a:endParaRPr lang="en-US"/>
           </a:p>
@@ -2917,7 +2917,7 @@
           <a:p>
             <a:fld id="{ABC6BEBB-36F0-4DB0-B515-F2F0409D1AFA}" type="datetimeFigureOut">
               <a:rPr lang="en-US" smtClean="0"/>
-              <a:t>5/30/2024</a:t>
+              <a:t>6/2/2024</a:t>
             </a:fld>
             <a:endParaRPr lang="en-US"/>
           </a:p>
@@ -5338,7 +5338,7 @@
                 <a:ea typeface="Sans Serif Collection" panose="020B0502040504020204" pitchFamily="34" charset="0"/>
                 <a:cs typeface="Sans Serif Collection" panose="020B0502040504020204" pitchFamily="34" charset="0"/>
               </a:rPr>
-              <a:t>View Accuracy vs Loss (accuracy: 0.9710)</a:t>
+              <a:t>View Accuracy vs Loss (accuracy: 0.9680)</a:t>
             </a:r>
           </a:p>
           <a:p>
@@ -5362,10 +5362,10 @@
       </p:sp>
       <p:pic>
         <p:nvPicPr>
-          <p:cNvPr id="14" name="Picture 13" descr="A graph of two people&#10;&#10;Description automatically generated with medium confidence">
-            <a:extLst>
-              <a:ext uri="{FF2B5EF4-FFF2-40B4-BE49-F238E27FC236}">
-                <a16:creationId xmlns:a16="http://schemas.microsoft.com/office/drawing/2014/main" id="{2A10C52C-E7F2-3E22-3799-6A6A9A402C43}"/>
+          <p:cNvPr id="8" name="Picture 7" descr="A graph of two people&#10;&#10;Description automatically generated">
+            <a:extLst>
+              <a:ext uri="{FF2B5EF4-FFF2-40B4-BE49-F238E27FC236}">
+                <a16:creationId xmlns:a16="http://schemas.microsoft.com/office/drawing/2014/main" id="{181B316E-AE54-C593-7DF8-41EC11780633}"/>
               </a:ext>
             </a:extLst>
           </p:cNvPr>
@@ -5388,8 +5388,8 @@
         </p:blipFill>
         <p:spPr>
           <a:xfrm>
-            <a:off x="5560070" y="470862"/>
-            <a:ext cx="6391980" cy="2130660"/>
+            <a:off x="5447230" y="370277"/>
+            <a:ext cx="6535108" cy="2178369"/>
           </a:xfrm>
           <a:prstGeom prst="rect">
             <a:avLst/>
@@ -5594,23 +5594,7 @@
                 <a:ea typeface="Sans Serif Collection" panose="020B0502040504020204" pitchFamily="34" charset="0"/>
                 <a:cs typeface="Sans Serif Collection" panose="020B0502040504020204" pitchFamily="34" charset="0"/>
               </a:rPr>
-              <a:t>Introduce web page and demo</a:t>
-            </a:r>
-          </a:p>
-          <a:p>
-            <a:pPr marL="0" indent="0">
-              <a:buNone/>
-            </a:pPr>
-            <a:r>
-              <a:rPr lang="en-US" dirty="0">
-                <a:solidFill>
-                  <a:schemeClr val="tx1"/>
-                </a:solidFill>
-                <a:latin typeface="Sans Serif Collection" panose="020B0502040504020204" pitchFamily="34" charset="0"/>
-                <a:ea typeface="Sans Serif Collection" panose="020B0502040504020204" pitchFamily="34" charset="0"/>
-                <a:cs typeface="Sans Serif Collection" panose="020B0502040504020204" pitchFamily="34" charset="0"/>
-              </a:rPr>
-              <a:t>link</a:t>
+              <a:t>Introduce web page and demo!</a:t>
             </a:r>
           </a:p>
         </p:txBody>
